--- a/Thesis/Graphs/Stommel Box.pptx
+++ b/Thesis/Graphs/Stommel Box.pptx
@@ -112,6 +112,10 @@
 </p:presentation>
 </file>
 
+<file path=ppt/revisionInfo.xml><?xml version="1.0" encoding="utf-8"?>
+<p1510:revInfo xmlns:a="http://schemas.openxmlformats.org/drawingml/2006/main" xmlns:r="http://schemas.openxmlformats.org/officeDocument/2006/relationships" xmlns:p1510="http://schemas.microsoft.com/office/powerpoint/2015/10/main"/>
+</file>
+
 <file path=ppt/slideLayouts/slideLayout1.xml><?xml version="1.0" encoding="utf-8"?>
 <p:sldLayout xmlns:a="http://schemas.openxmlformats.org/drawingml/2006/main" xmlns:r="http://schemas.openxmlformats.org/officeDocument/2006/relationships" xmlns:p="http://schemas.openxmlformats.org/presentationml/2006/main" type="title" preserve="1">
   <p:cSld name="Title Slide">
@@ -241,7 +245,7 @@
           <a:p>
             <a:fld id="{415C6F31-8A00-40A6-B51C-FE132E30F6CB}" type="datetimeFigureOut">
               <a:rPr lang="en-US" smtClean="0"/>
-              <a:t>5/30/2017</a:t>
+              <a:t>6/2/2018</a:t>
             </a:fld>
             <a:endParaRPr lang="en-US"/>
           </a:p>
@@ -409,7 +413,7 @@
           <a:p>
             <a:fld id="{415C6F31-8A00-40A6-B51C-FE132E30F6CB}" type="datetimeFigureOut">
               <a:rPr lang="en-US" smtClean="0"/>
-              <a:t>5/30/2017</a:t>
+              <a:t>6/2/2018</a:t>
             </a:fld>
             <a:endParaRPr lang="en-US"/>
           </a:p>
@@ -587,7 +591,7 @@
           <a:p>
             <a:fld id="{415C6F31-8A00-40A6-B51C-FE132E30F6CB}" type="datetimeFigureOut">
               <a:rPr lang="en-US" smtClean="0"/>
-              <a:t>5/30/2017</a:t>
+              <a:t>6/2/2018</a:t>
             </a:fld>
             <a:endParaRPr lang="en-US"/>
           </a:p>
@@ -755,7 +759,7 @@
           <a:p>
             <a:fld id="{415C6F31-8A00-40A6-B51C-FE132E30F6CB}" type="datetimeFigureOut">
               <a:rPr lang="en-US" smtClean="0"/>
-              <a:t>5/30/2017</a:t>
+              <a:t>6/2/2018</a:t>
             </a:fld>
             <a:endParaRPr lang="en-US"/>
           </a:p>
@@ -1000,7 +1004,7 @@
           <a:p>
             <a:fld id="{415C6F31-8A00-40A6-B51C-FE132E30F6CB}" type="datetimeFigureOut">
               <a:rPr lang="en-US" smtClean="0"/>
-              <a:t>5/30/2017</a:t>
+              <a:t>6/2/2018</a:t>
             </a:fld>
             <a:endParaRPr lang="en-US"/>
           </a:p>
@@ -1229,7 +1233,7 @@
           <a:p>
             <a:fld id="{415C6F31-8A00-40A6-B51C-FE132E30F6CB}" type="datetimeFigureOut">
               <a:rPr lang="en-US" smtClean="0"/>
-              <a:t>5/30/2017</a:t>
+              <a:t>6/2/2018</a:t>
             </a:fld>
             <a:endParaRPr lang="en-US"/>
           </a:p>
@@ -1593,7 +1597,7 @@
           <a:p>
             <a:fld id="{415C6F31-8A00-40A6-B51C-FE132E30F6CB}" type="datetimeFigureOut">
               <a:rPr lang="en-US" smtClean="0"/>
-              <a:t>5/30/2017</a:t>
+              <a:t>6/2/2018</a:t>
             </a:fld>
             <a:endParaRPr lang="en-US"/>
           </a:p>
@@ -1710,7 +1714,7 @@
           <a:p>
             <a:fld id="{415C6F31-8A00-40A6-B51C-FE132E30F6CB}" type="datetimeFigureOut">
               <a:rPr lang="en-US" smtClean="0"/>
-              <a:t>5/30/2017</a:t>
+              <a:t>6/2/2018</a:t>
             </a:fld>
             <a:endParaRPr lang="en-US"/>
           </a:p>
@@ -1805,7 +1809,7 @@
           <a:p>
             <a:fld id="{415C6F31-8A00-40A6-B51C-FE132E30F6CB}" type="datetimeFigureOut">
               <a:rPr lang="en-US" smtClean="0"/>
-              <a:t>5/30/2017</a:t>
+              <a:t>6/2/2018</a:t>
             </a:fld>
             <a:endParaRPr lang="en-US"/>
           </a:p>
@@ -2080,7 +2084,7 @@
           <a:p>
             <a:fld id="{415C6F31-8A00-40A6-B51C-FE132E30F6CB}" type="datetimeFigureOut">
               <a:rPr lang="en-US" smtClean="0"/>
-              <a:t>5/30/2017</a:t>
+              <a:t>6/2/2018</a:t>
             </a:fld>
             <a:endParaRPr lang="en-US"/>
           </a:p>
@@ -2332,7 +2336,7 @@
           <a:p>
             <a:fld id="{415C6F31-8A00-40A6-B51C-FE132E30F6CB}" type="datetimeFigureOut">
               <a:rPr lang="en-US" smtClean="0"/>
-              <a:t>5/30/2017</a:t>
+              <a:t>6/2/2018</a:t>
             </a:fld>
             <a:endParaRPr lang="en-US"/>
           </a:p>
@@ -2543,7 +2547,7 @@
           <a:p>
             <a:fld id="{415C6F31-8A00-40A6-B51C-FE132E30F6CB}" type="datetimeFigureOut">
               <a:rPr lang="en-US" smtClean="0"/>
-              <a:t>5/30/2017</a:t>
+              <a:t>6/2/2018</a:t>
             </a:fld>
             <a:endParaRPr lang="en-US"/>
           </a:p>
@@ -4268,8 +4272,8 @@
           </p:sp>
         </mc:Fallback>
       </mc:AlternateContent>
-      <mc:AlternateContent xmlns:mc="http://schemas.openxmlformats.org/markup-compatibility/2006">
-        <mc:Choice xmlns:a14="http://schemas.microsoft.com/office/drawing/2010/main" Requires="a14">
+      <mc:AlternateContent xmlns:mc="http://schemas.openxmlformats.org/markup-compatibility/2006" xmlns:a14="http://schemas.microsoft.com/office/drawing/2010/main">
+        <mc:Choice Requires="a14">
           <p:sp>
             <p:nvSpPr>
               <p:cNvPr id="98" name="TextBox 97"/>
@@ -4371,7 +4375,7 @@
             </p:txBody>
           </p:sp>
         </mc:Choice>
-        <mc:Fallback>
+        <mc:Fallback xmlns="">
           <p:sp>
             <p:nvSpPr>
               <p:cNvPr id="98" name="TextBox 97"/>
